--- a/Slides/PH223_Lecture_19.pptx
+++ b/Slides/PH223_Lecture_19.pptx
@@ -174,7 +174,7 @@
 <file path=ppt/revisionInfo.xml><?xml version="1.0" encoding="utf-8"?>
 <p1510:revInfo xmlns:a="http://schemas.openxmlformats.org/drawingml/2006/main" xmlns:r="http://schemas.openxmlformats.org/officeDocument/2006/relationships" xmlns:p1510="http://schemas.microsoft.com/office/powerpoint/2015/10/main">
   <p1510:revLst>
-    <p1510:client id="{0C3CEF56-FDB4-4CA0-92D3-5CFEA9BC74BE}" v="2" dt="2023-10-11T00:16:29.243"/>
+    <p1510:client id="{A171E462-8700-462B-9895-79C66753E6E6}" v="2" dt="2024-02-08T21:36:51.566"/>
   </p1510:revLst>
 </p1510:revInfo>
 </file>
@@ -361,6 +361,68 @@
       </pc:sldChg>
     </pc:docChg>
   </pc:docChgLst>
+  <pc:docChgLst>
+    <pc:chgData name="Lines, Todd" userId="afaf7c3a-e8aa-4568-882a-02ad8f9e19b0" providerId="ADAL" clId="{A171E462-8700-462B-9895-79C66753E6E6}"/>
+    <pc:docChg chg="undo custSel modSld">
+      <pc:chgData name="Lines, Todd" userId="afaf7c3a-e8aa-4568-882a-02ad8f9e19b0" providerId="ADAL" clId="{A171E462-8700-462B-9895-79C66753E6E6}" dt="2024-02-08T21:55:59.127" v="6" actId="14100"/>
+      <pc:docMkLst>
+        <pc:docMk/>
+      </pc:docMkLst>
+      <pc:sldChg chg="delSp modSp mod">
+        <pc:chgData name="Lines, Todd" userId="afaf7c3a-e8aa-4568-882a-02ad8f9e19b0" providerId="ADAL" clId="{A171E462-8700-462B-9895-79C66753E6E6}" dt="2024-02-08T21:35:34.142" v="1" actId="21"/>
+        <pc:sldMkLst>
+          <pc:docMk/>
+          <pc:sldMk cId="0" sldId="256"/>
+        </pc:sldMkLst>
+        <pc:picChg chg="del mod">
+          <ac:chgData name="Lines, Todd" userId="afaf7c3a-e8aa-4568-882a-02ad8f9e19b0" providerId="ADAL" clId="{A171E462-8700-462B-9895-79C66753E6E6}" dt="2024-02-08T21:35:34.142" v="1" actId="21"/>
+          <ac:picMkLst>
+            <pc:docMk/>
+            <pc:sldMk cId="0" sldId="256"/>
+            <ac:picMk id="2" creationId="{ADEB7B90-B686-2153-E066-2611FFC3D7DA}"/>
+          </ac:picMkLst>
+        </pc:picChg>
+      </pc:sldChg>
+      <pc:sldChg chg="addSp delSp modSp mod">
+        <pc:chgData name="Lines, Todd" userId="afaf7c3a-e8aa-4568-882a-02ad8f9e19b0" providerId="ADAL" clId="{A171E462-8700-462B-9895-79C66753E6E6}" dt="2024-02-08T21:36:59.260" v="5" actId="21"/>
+        <pc:sldMkLst>
+          <pc:docMk/>
+          <pc:sldMk cId="0" sldId="289"/>
+        </pc:sldMkLst>
+        <pc:picChg chg="del mod">
+          <ac:chgData name="Lines, Todd" userId="afaf7c3a-e8aa-4568-882a-02ad8f9e19b0" providerId="ADAL" clId="{A171E462-8700-462B-9895-79C66753E6E6}" dt="2024-02-08T21:36:59.260" v="5" actId="21"/>
+          <ac:picMkLst>
+            <pc:docMk/>
+            <pc:sldMk cId="0" sldId="289"/>
+            <ac:picMk id="4" creationId="{F733BAF6-C75C-6AF4-4958-37F6D47932DF}"/>
+          </ac:picMkLst>
+        </pc:picChg>
+        <pc:picChg chg="add del">
+          <ac:chgData name="Lines, Todd" userId="afaf7c3a-e8aa-4568-882a-02ad8f9e19b0" providerId="ADAL" clId="{A171E462-8700-462B-9895-79C66753E6E6}" dt="2024-02-08T21:36:28.312" v="3" actId="478"/>
+          <ac:picMkLst>
+            <pc:docMk/>
+            <pc:sldMk cId="0" sldId="289"/>
+            <ac:picMk id="30722" creationId="{00000000-0000-0000-0000-000000000000}"/>
+          </ac:picMkLst>
+        </pc:picChg>
+      </pc:sldChg>
+      <pc:sldChg chg="modSp mod">
+        <pc:chgData name="Lines, Todd" userId="afaf7c3a-e8aa-4568-882a-02ad8f9e19b0" providerId="ADAL" clId="{A171E462-8700-462B-9895-79C66753E6E6}" dt="2024-02-08T21:55:59.127" v="6" actId="14100"/>
+        <pc:sldMkLst>
+          <pc:docMk/>
+          <pc:sldMk cId="0" sldId="672"/>
+        </pc:sldMkLst>
+        <pc:spChg chg="mod">
+          <ac:chgData name="Lines, Todd" userId="afaf7c3a-e8aa-4568-882a-02ad8f9e19b0" providerId="ADAL" clId="{A171E462-8700-462B-9895-79C66753E6E6}" dt="2024-02-08T21:55:59.127" v="6" actId="14100"/>
+          <ac:spMkLst>
+            <pc:docMk/>
+            <pc:sldMk cId="0" sldId="672"/>
+            <ac:spMk id="1540106" creationId="{00000000-0000-0000-0000-000000000000}"/>
+          </ac:spMkLst>
+        </pc:spChg>
+      </pc:sldChg>
+    </pc:docChg>
+  </pc:docChgLst>
 </pc:chgInfo>
 </file>
 
@@ -446,7 +508,7 @@
           <a:p>
             <a:fld id="{5F05171C-0AC2-4439-B5BF-69052E15AFCD}" type="datetimeFigureOut">
               <a:rPr lang="en-US" smtClean="0"/>
-              <a:t>10/10/2023</a:t>
+              <a:t>2/8/2024</a:t>
             </a:fld>
             <a:endParaRPr lang="en-US"/>
           </a:p>
@@ -1587,7 +1649,7 @@
             <a:fld id="{02601D41-51D8-4A28-AECB-BBB67A1DC14D}" type="datetimeFigureOut">
               <a:rPr lang="en-US" smtClean="0"/>
               <a:pPr/>
-              <a:t>10/10/2023</a:t>
+              <a:t>2/8/2024</a:t>
             </a:fld>
             <a:endParaRPr lang="en-US"/>
           </a:p>
@@ -1752,7 +1814,7 @@
             <a:fld id="{02601D41-51D8-4A28-AECB-BBB67A1DC14D}" type="datetimeFigureOut">
               <a:rPr lang="en-US" smtClean="0"/>
               <a:pPr/>
-              <a:t>10/10/2023</a:t>
+              <a:t>2/8/2024</a:t>
             </a:fld>
             <a:endParaRPr lang="en-US"/>
           </a:p>
@@ -1927,7 +1989,7 @@
             <a:fld id="{02601D41-51D8-4A28-AECB-BBB67A1DC14D}" type="datetimeFigureOut">
               <a:rPr lang="en-US" smtClean="0"/>
               <a:pPr/>
-              <a:t>10/10/2023</a:t>
+              <a:t>2/8/2024</a:t>
             </a:fld>
             <a:endParaRPr lang="en-US"/>
           </a:p>
@@ -2577,7 +2639,7 @@
             <a:fld id="{02601D41-51D8-4A28-AECB-BBB67A1DC14D}" type="datetimeFigureOut">
               <a:rPr lang="en-US" smtClean="0"/>
               <a:pPr/>
-              <a:t>10/10/2023</a:t>
+              <a:t>2/8/2024</a:t>
             </a:fld>
             <a:endParaRPr lang="en-US"/>
           </a:p>
@@ -2819,7 +2881,7 @@
             <a:fld id="{02601D41-51D8-4A28-AECB-BBB67A1DC14D}" type="datetimeFigureOut">
               <a:rPr lang="en-US" smtClean="0"/>
               <a:pPr/>
-              <a:t>10/10/2023</a:t>
+              <a:t>2/8/2024</a:t>
             </a:fld>
             <a:endParaRPr lang="en-US"/>
           </a:p>
@@ -3101,7 +3163,7 @@
             <a:fld id="{02601D41-51D8-4A28-AECB-BBB67A1DC14D}" type="datetimeFigureOut">
               <a:rPr lang="en-US" smtClean="0"/>
               <a:pPr/>
-              <a:t>10/10/2023</a:t>
+              <a:t>2/8/2024</a:t>
             </a:fld>
             <a:endParaRPr lang="en-US"/>
           </a:p>
@@ -3517,7 +3579,7 @@
             <a:fld id="{02601D41-51D8-4A28-AECB-BBB67A1DC14D}" type="datetimeFigureOut">
               <a:rPr lang="en-US" smtClean="0"/>
               <a:pPr/>
-              <a:t>10/10/2023</a:t>
+              <a:t>2/8/2024</a:t>
             </a:fld>
             <a:endParaRPr lang="en-US"/>
           </a:p>
@@ -3631,7 +3693,7 @@
             <a:fld id="{02601D41-51D8-4A28-AECB-BBB67A1DC14D}" type="datetimeFigureOut">
               <a:rPr lang="en-US" smtClean="0"/>
               <a:pPr/>
-              <a:t>10/10/2023</a:t>
+              <a:t>2/8/2024</a:t>
             </a:fld>
             <a:endParaRPr lang="en-US"/>
           </a:p>
@@ -3723,7 +3785,7 @@
             <a:fld id="{02601D41-51D8-4A28-AECB-BBB67A1DC14D}" type="datetimeFigureOut">
               <a:rPr lang="en-US" smtClean="0"/>
               <a:pPr/>
-              <a:t>10/10/2023</a:t>
+              <a:t>2/8/2024</a:t>
             </a:fld>
             <a:endParaRPr lang="en-US"/>
           </a:p>
@@ -3995,7 +4057,7 @@
             <a:fld id="{02601D41-51D8-4A28-AECB-BBB67A1DC14D}" type="datetimeFigureOut">
               <a:rPr lang="en-US" smtClean="0"/>
               <a:pPr/>
-              <a:t>10/10/2023</a:t>
+              <a:t>2/8/2024</a:t>
             </a:fld>
             <a:endParaRPr lang="en-US"/>
           </a:p>
@@ -4244,7 +4306,7 @@
             <a:fld id="{02601D41-51D8-4A28-AECB-BBB67A1DC14D}" type="datetimeFigureOut">
               <a:rPr lang="en-US" smtClean="0"/>
               <a:pPr/>
-              <a:t>10/10/2023</a:t>
+              <a:t>2/8/2024</a:t>
             </a:fld>
             <a:endParaRPr lang="en-US"/>
           </a:p>
@@ -4452,7 +4514,7 @@
             <a:fld id="{02601D41-51D8-4A28-AECB-BBB67A1DC14D}" type="datetimeFigureOut">
               <a:rPr lang="en-US" smtClean="0"/>
               <a:pPr/>
-              <a:t>10/10/2023</a:t>
+              <a:t>2/8/2024</a:t>
             </a:fld>
             <a:endParaRPr lang="en-US"/>
           </a:p>
@@ -19802,7 +19864,7 @@
         <p:spPr bwMode="auto">
           <a:xfrm>
             <a:off x="4433888" y="1188482"/>
-            <a:ext cx="4362450" cy="950912"/>
+            <a:ext cx="4362450" cy="640318"/>
           </a:xfrm>
           <a:prstGeom prst="ellipse">
             <a:avLst/>
